--- a/配色.pptx
+++ b/配色.pptx
@@ -259,7 +259,7 @@
           <a:p>
             <a:fld id="{832439C0-77A8-46C2-8DA2-78F3362F9156}" type="datetimeFigureOut">
               <a:rPr lang="zh-CN" altLang="en-US" smtClean="0"/>
-              <a:t>2020/12/30</a:t>
+              <a:t>2021/4/13</a:t>
             </a:fld>
             <a:endParaRPr lang="zh-CN" altLang="en-US"/>
           </a:p>
@@ -457,7 +457,7 @@
           <a:p>
             <a:fld id="{832439C0-77A8-46C2-8DA2-78F3362F9156}" type="datetimeFigureOut">
               <a:rPr lang="zh-CN" altLang="en-US" smtClean="0"/>
-              <a:t>2020/12/30</a:t>
+              <a:t>2021/4/13</a:t>
             </a:fld>
             <a:endParaRPr lang="zh-CN" altLang="en-US"/>
           </a:p>
@@ -665,7 +665,7 @@
           <a:p>
             <a:fld id="{832439C0-77A8-46C2-8DA2-78F3362F9156}" type="datetimeFigureOut">
               <a:rPr lang="zh-CN" altLang="en-US" smtClean="0"/>
-              <a:t>2020/12/30</a:t>
+              <a:t>2021/4/13</a:t>
             </a:fld>
             <a:endParaRPr lang="zh-CN" altLang="en-US"/>
           </a:p>
@@ -863,7 +863,7 @@
           <a:p>
             <a:fld id="{832439C0-77A8-46C2-8DA2-78F3362F9156}" type="datetimeFigureOut">
               <a:rPr lang="zh-CN" altLang="en-US" smtClean="0"/>
-              <a:t>2020/12/30</a:t>
+              <a:t>2021/4/13</a:t>
             </a:fld>
             <a:endParaRPr lang="zh-CN" altLang="en-US"/>
           </a:p>
@@ -1138,7 +1138,7 @@
           <a:p>
             <a:fld id="{832439C0-77A8-46C2-8DA2-78F3362F9156}" type="datetimeFigureOut">
               <a:rPr lang="zh-CN" altLang="en-US" smtClean="0"/>
-              <a:t>2020/12/30</a:t>
+              <a:t>2021/4/13</a:t>
             </a:fld>
             <a:endParaRPr lang="zh-CN" altLang="en-US"/>
           </a:p>
@@ -1403,7 +1403,7 @@
           <a:p>
             <a:fld id="{832439C0-77A8-46C2-8DA2-78F3362F9156}" type="datetimeFigureOut">
               <a:rPr lang="zh-CN" altLang="en-US" smtClean="0"/>
-              <a:t>2020/12/30</a:t>
+              <a:t>2021/4/13</a:t>
             </a:fld>
             <a:endParaRPr lang="zh-CN" altLang="en-US"/>
           </a:p>
@@ -1815,7 +1815,7 @@
           <a:p>
             <a:fld id="{832439C0-77A8-46C2-8DA2-78F3362F9156}" type="datetimeFigureOut">
               <a:rPr lang="zh-CN" altLang="en-US" smtClean="0"/>
-              <a:t>2020/12/30</a:t>
+              <a:t>2021/4/13</a:t>
             </a:fld>
             <a:endParaRPr lang="zh-CN" altLang="en-US"/>
           </a:p>
@@ -1956,7 +1956,7 @@
           <a:p>
             <a:fld id="{832439C0-77A8-46C2-8DA2-78F3362F9156}" type="datetimeFigureOut">
               <a:rPr lang="zh-CN" altLang="en-US" smtClean="0"/>
-              <a:t>2020/12/30</a:t>
+              <a:t>2021/4/13</a:t>
             </a:fld>
             <a:endParaRPr lang="zh-CN" altLang="en-US"/>
           </a:p>
@@ -2069,7 +2069,7 @@
           <a:p>
             <a:fld id="{832439C0-77A8-46C2-8DA2-78F3362F9156}" type="datetimeFigureOut">
               <a:rPr lang="zh-CN" altLang="en-US" smtClean="0"/>
-              <a:t>2020/12/30</a:t>
+              <a:t>2021/4/13</a:t>
             </a:fld>
             <a:endParaRPr lang="zh-CN" altLang="en-US"/>
           </a:p>
@@ -2380,7 +2380,7 @@
           <a:p>
             <a:fld id="{832439C0-77A8-46C2-8DA2-78F3362F9156}" type="datetimeFigureOut">
               <a:rPr lang="zh-CN" altLang="en-US" smtClean="0"/>
-              <a:t>2020/12/30</a:t>
+              <a:t>2021/4/13</a:t>
             </a:fld>
             <a:endParaRPr lang="zh-CN" altLang="en-US"/>
           </a:p>
@@ -2668,7 +2668,7 @@
           <a:p>
             <a:fld id="{832439C0-77A8-46C2-8DA2-78F3362F9156}" type="datetimeFigureOut">
               <a:rPr lang="zh-CN" altLang="en-US" smtClean="0"/>
-              <a:t>2020/12/30</a:t>
+              <a:t>2021/4/13</a:t>
             </a:fld>
             <a:endParaRPr lang="zh-CN" altLang="en-US"/>
           </a:p>
@@ -2909,7 +2909,7 @@
           <a:p>
             <a:fld id="{832439C0-77A8-46C2-8DA2-78F3362F9156}" type="datetimeFigureOut">
               <a:rPr lang="zh-CN" altLang="en-US" smtClean="0"/>
-              <a:t>2020/12/30</a:t>
+              <a:t>2021/4/13</a:t>
             </a:fld>
             <a:endParaRPr lang="zh-CN" altLang="en-US"/>
           </a:p>
@@ -3444,7 +3444,7 @@
         </p:nvSpPr>
         <p:spPr>
           <a:xfrm>
-            <a:off x="8625527" y="2318993"/>
+            <a:off x="2337277" y="2962373"/>
             <a:ext cx="933254" cy="933254"/>
           </a:xfrm>
           <a:prstGeom prst="rect">
@@ -3582,7 +3582,7 @@
           <a:lstStyle/>
           <a:p>
             <a:pPr algn="ctr"/>
-            <a:endParaRPr lang="zh-CN" altLang="en-US"/>
+            <a:endParaRPr lang="zh-CN" altLang="en-US" dirty="0"/>
           </a:p>
         </p:txBody>
       </p:sp>
@@ -3704,7 +3704,7 @@
         </p:nvSpPr>
         <p:spPr>
           <a:xfrm>
-            <a:off x="7296347" y="4901937"/>
+            <a:off x="2037690" y="1494148"/>
             <a:ext cx="933254" cy="933254"/>
           </a:xfrm>
           <a:prstGeom prst="rect">
@@ -3756,7 +3756,7 @@
         </p:nvSpPr>
         <p:spPr>
           <a:xfrm>
-            <a:off x="5967167" y="1027521"/>
+            <a:off x="2295713" y="4539008"/>
             <a:ext cx="933254" cy="933254"/>
           </a:xfrm>
           <a:prstGeom prst="rect">
@@ -3808,7 +3808,7 @@
         </p:nvSpPr>
         <p:spPr>
           <a:xfrm>
-            <a:off x="5967167" y="2318993"/>
+            <a:off x="8627455" y="2282944"/>
             <a:ext cx="933254" cy="933254"/>
           </a:xfrm>
           <a:prstGeom prst="rect">
@@ -3843,6 +3843,46 @@
           <a:p>
             <a:pPr algn="ctr"/>
             <a:endParaRPr lang="zh-CN" altLang="en-US"/>
+          </a:p>
+        </p:txBody>
+      </p:sp>
+      <p:sp>
+        <p:nvSpPr>
+          <p:cNvPr id="13" name="文本框 12">
+            <a:extLst>
+              <a:ext uri="{FF2B5EF4-FFF2-40B4-BE49-F238E27FC236}">
+                <a16:creationId xmlns:a16="http://schemas.microsoft.com/office/drawing/2014/main" id="{91CF0EE6-56D4-4A46-A937-F46D2C6DDE20}"/>
+              </a:ext>
+            </a:extLst>
+          </p:cNvPr>
+          <p:cNvSpPr txBox="1"/>
+          <p:nvPr/>
+        </p:nvSpPr>
+        <p:spPr>
+          <a:xfrm>
+            <a:off x="5763491" y="1960775"/>
+            <a:ext cx="6096000" cy="369332"/>
+          </a:xfrm>
+          <a:prstGeom prst="rect">
+            <a:avLst/>
+          </a:prstGeom>
+          <a:noFill/>
+        </p:spPr>
+        <p:txBody>
+          <a:bodyPr wrap="square">
+            <a:spAutoFit/>
+          </a:bodyPr>
+          <a:lstStyle/>
+          <a:p>
+            <a:r>
+              <a:rPr lang="zh-CN" altLang="en-US" dirty="0"/>
+              <a:t>224, 217, 72   </a:t>
+            </a:r>
+            <a:r>
+              <a:rPr lang="en-US" altLang="zh-CN" dirty="0"/>
+              <a:t>235, 138, 121</a:t>
+            </a:r>
+            <a:endParaRPr lang="zh-CN" altLang="en-US" dirty="0"/>
           </a:p>
         </p:txBody>
       </p:sp>
